--- a/algorithm/string/string.pptx
+++ b/algorithm/string/string.pptx
@@ -5,7 +5,7 @@
     <p:sldMasterId id="2147483660" r:id="rId1"/>
   </p:sldMasterIdLst>
   <p:notesMasterIdLst>
-    <p:notesMasterId r:id="rId29"/>
+    <p:notesMasterId r:id="rId30"/>
   </p:notesMasterIdLst>
   <p:sldIdLst>
     <p:sldId id="256" r:id="rId2"/>
@@ -21,20 +21,21 @@
     <p:sldId id="286" r:id="rId12"/>
     <p:sldId id="287" r:id="rId13"/>
     <p:sldId id="308" r:id="rId14"/>
-    <p:sldId id="271" r:id="rId15"/>
-    <p:sldId id="302" r:id="rId16"/>
-    <p:sldId id="303" r:id="rId17"/>
-    <p:sldId id="304" r:id="rId18"/>
-    <p:sldId id="305" r:id="rId19"/>
-    <p:sldId id="296" r:id="rId20"/>
-    <p:sldId id="297" r:id="rId21"/>
-    <p:sldId id="298" r:id="rId22"/>
-    <p:sldId id="299" r:id="rId23"/>
-    <p:sldId id="300" r:id="rId24"/>
-    <p:sldId id="301" r:id="rId25"/>
-    <p:sldId id="281" r:id="rId26"/>
-    <p:sldId id="282" r:id="rId27"/>
-    <p:sldId id="306" r:id="rId28"/>
+    <p:sldId id="309" r:id="rId15"/>
+    <p:sldId id="271" r:id="rId16"/>
+    <p:sldId id="302" r:id="rId17"/>
+    <p:sldId id="303" r:id="rId18"/>
+    <p:sldId id="304" r:id="rId19"/>
+    <p:sldId id="305" r:id="rId20"/>
+    <p:sldId id="296" r:id="rId21"/>
+    <p:sldId id="297" r:id="rId22"/>
+    <p:sldId id="298" r:id="rId23"/>
+    <p:sldId id="299" r:id="rId24"/>
+    <p:sldId id="300" r:id="rId25"/>
+    <p:sldId id="301" r:id="rId26"/>
+    <p:sldId id="281" r:id="rId27"/>
+    <p:sldId id="282" r:id="rId28"/>
+    <p:sldId id="306" r:id="rId29"/>
   </p:sldIdLst>
   <p:sldSz cx="9144000" cy="6858000" type="screen4x3"/>
   <p:notesSz cx="6858000" cy="9144000"/>
@@ -234,7 +235,7 @@
           <a:p>
             <a:fld id="{E37CD321-9D37-4989-8D63-56BA8456E8F1}" type="datetimeFigureOut">
               <a:rPr lang="zh-CN" altLang="en-US" smtClean="0"/>
-              <a:t>2014/10/31</a:t>
+              <a:t>2014/11/10</a:t>
             </a:fld>
             <a:endParaRPr lang="zh-CN" altLang="en-US"/>
           </a:p>
@@ -692,12 +693,16 @@
           <a:lstStyle/>
           <a:p>
             <a:r>
-              <a:rPr lang="en-US" altLang="zh-CN" dirty="0" err="1" smtClean="0"/>
-              <a:t>Hashtable</a:t>
-            </a:r>
-            <a:r>
-              <a:rPr lang="zh-CN" altLang="en-US" dirty="0" smtClean="0"/>
-              <a:t>？</a:t>
+              <a:rPr lang="en-US" altLang="zh-CN" sz="1200" b="0" i="0" kern="1200" dirty="0" err="1" smtClean="0">
+                <a:solidFill>
+                  <a:schemeClr val="tx1"/>
+                </a:solidFill>
+                <a:effectLst/>
+                <a:latin typeface="+mn-lt"/>
+                <a:ea typeface="+mn-ea"/>
+                <a:cs typeface="+mn-cs"/>
+              </a:rPr>
+              <a:t>CBigInt</a:t>
             </a:r>
             <a:endParaRPr lang="zh-CN" altLang="en-US" dirty="0"/>
           </a:p>
@@ -720,7 +725,7 @@
           <a:p>
             <a:fld id="{BA6CE3D9-43CE-4857-B12B-ED85D5E178F2}" type="slidenum">
               <a:rPr lang="zh-CN" altLang="en-US" smtClean="0"/>
-              <a:t>24</a:t>
+              <a:t>22</a:t>
             </a:fld>
             <a:endParaRPr lang="zh-CN" altLang="en-US"/>
           </a:p>
@@ -729,7 +734,7 @@
     </p:spTree>
     <p:extLst>
       <p:ext uri="{BB962C8B-B14F-4D97-AF65-F5344CB8AC3E}">
-        <p14:creationId xmlns:p14="http://schemas.microsoft.com/office/powerpoint/2010/main" val="1641666347"/>
+        <p14:creationId xmlns:p14="http://schemas.microsoft.com/office/powerpoint/2010/main" val="2112322800"/>
       </p:ext>
     </p:extLst>
   </p:cSld>
@@ -784,8 +789,12 @@
           <a:lstStyle/>
           <a:p>
             <a:r>
-              <a:rPr lang="en-US" altLang="zh-CN" dirty="0" smtClean="0"/>
-              <a:t>http://www.cnblogs.com/biyeymyhjob/archive/2012/08/14/2636962.html</a:t>
+              <a:rPr lang="en-US" altLang="zh-CN" dirty="0" err="1" smtClean="0"/>
+              <a:t>Hashtable</a:t>
+            </a:r>
+            <a:r>
+              <a:rPr lang="zh-CN" altLang="en-US" dirty="0" smtClean="0"/>
+              <a:t>？</a:t>
             </a:r>
             <a:endParaRPr lang="zh-CN" altLang="en-US" dirty="0"/>
           </a:p>
@@ -808,7 +817,7 @@
           <a:p>
             <a:fld id="{BA6CE3D9-43CE-4857-B12B-ED85D5E178F2}" type="slidenum">
               <a:rPr lang="zh-CN" altLang="en-US" smtClean="0"/>
-              <a:t>26</a:t>
+              <a:t>25</a:t>
             </a:fld>
             <a:endParaRPr lang="zh-CN" altLang="en-US"/>
           </a:p>
@@ -817,7 +826,7 @@
     </p:spTree>
     <p:extLst>
       <p:ext uri="{BB962C8B-B14F-4D97-AF65-F5344CB8AC3E}">
-        <p14:creationId xmlns:p14="http://schemas.microsoft.com/office/powerpoint/2010/main" val="1123488049"/>
+        <p14:creationId xmlns:p14="http://schemas.microsoft.com/office/powerpoint/2010/main" val="1641666347"/>
       </p:ext>
     </p:extLst>
   </p:cSld>
@@ -872,10 +881,10 @@
           <a:lstStyle/>
           <a:p>
             <a:r>
-              <a:rPr lang="en-US" altLang="zh-CN" smtClean="0"/>
-              <a:t>http://blog.csdn.net/v_JULY_v/article/details/6417600</a:t>
-            </a:r>
-            <a:endParaRPr lang="zh-CN" altLang="en-US"/>
+              <a:rPr lang="en-US" altLang="zh-CN" dirty="0" smtClean="0"/>
+              <a:t>http://www.cnblogs.com/biyeymyhjob/archive/2012/08/14/2636962.html</a:t>
+            </a:r>
+            <a:endParaRPr lang="zh-CN" altLang="en-US" dirty="0"/>
           </a:p>
         </p:txBody>
       </p:sp>
@@ -897,6 +906,94 @@
             <a:fld id="{BA6CE3D9-43CE-4857-B12B-ED85D5E178F2}" type="slidenum">
               <a:rPr lang="zh-CN" altLang="en-US" smtClean="0"/>
               <a:t>27</a:t>
+            </a:fld>
+            <a:endParaRPr lang="zh-CN" altLang="en-US"/>
+          </a:p>
+        </p:txBody>
+      </p:sp>
+    </p:spTree>
+    <p:extLst>
+      <p:ext uri="{BB962C8B-B14F-4D97-AF65-F5344CB8AC3E}">
+        <p14:creationId xmlns:p14="http://schemas.microsoft.com/office/powerpoint/2010/main" val="1123488049"/>
+      </p:ext>
+    </p:extLst>
+  </p:cSld>
+  <p:clrMapOvr>
+    <a:masterClrMapping/>
+  </p:clrMapOvr>
+</p:notes>
+</file>
+
+<file path=ppt/notesSlides/notesSlide13.xml><?xml version="1.0" encoding="utf-8"?>
+<p:notes xmlns:a="http://schemas.openxmlformats.org/drawingml/2006/main" xmlns:r="http://schemas.openxmlformats.org/officeDocument/2006/relationships" xmlns:p="http://schemas.openxmlformats.org/presentationml/2006/main">
+  <p:cSld>
+    <p:spTree>
+      <p:nvGrpSpPr>
+        <p:cNvPr id="1" name=""/>
+        <p:cNvGrpSpPr/>
+        <p:nvPr/>
+      </p:nvGrpSpPr>
+      <p:grpSpPr>
+        <a:xfrm>
+          <a:off x="0" y="0"/>
+          <a:ext cx="0" cy="0"/>
+          <a:chOff x="0" y="0"/>
+          <a:chExt cx="0" cy="0"/>
+        </a:xfrm>
+      </p:grpSpPr>
+      <p:sp>
+        <p:nvSpPr>
+          <p:cNvPr id="2" name="幻灯片图像占位符 1"/>
+          <p:cNvSpPr>
+            <a:spLocks noGrp="1" noRot="1" noChangeAspect="1"/>
+          </p:cNvSpPr>
+          <p:nvPr>
+            <p:ph type="sldImg"/>
+          </p:nvPr>
+        </p:nvSpPr>
+        <p:spPr/>
+      </p:sp>
+      <p:sp>
+        <p:nvSpPr>
+          <p:cNvPr id="3" name="备注占位符 2"/>
+          <p:cNvSpPr>
+            <a:spLocks noGrp="1"/>
+          </p:cNvSpPr>
+          <p:nvPr>
+            <p:ph type="body" idx="1"/>
+          </p:nvPr>
+        </p:nvSpPr>
+        <p:spPr/>
+        <p:txBody>
+          <a:bodyPr/>
+          <a:lstStyle/>
+          <a:p>
+            <a:r>
+              <a:rPr lang="en-US" altLang="zh-CN" smtClean="0"/>
+              <a:t>http://blog.csdn.net/v_JULY_v/article/details/6417600</a:t>
+            </a:r>
+            <a:endParaRPr lang="zh-CN" altLang="en-US"/>
+          </a:p>
+        </p:txBody>
+      </p:sp>
+      <p:sp>
+        <p:nvSpPr>
+          <p:cNvPr id="4" name="灯片编号占位符 3"/>
+          <p:cNvSpPr>
+            <a:spLocks noGrp="1"/>
+          </p:cNvSpPr>
+          <p:nvPr>
+            <p:ph type="sldNum" sz="quarter" idx="10"/>
+          </p:nvPr>
+        </p:nvSpPr>
+        <p:spPr/>
+        <p:txBody>
+          <a:bodyPr/>
+          <a:lstStyle/>
+          <a:p>
+            <a:fld id="{BA6CE3D9-43CE-4857-B12B-ED85D5E178F2}" type="slidenum">
+              <a:rPr lang="zh-CN" altLang="en-US" smtClean="0"/>
+              <a:t>28</a:t>
             </a:fld>
             <a:endParaRPr lang="zh-CN" altLang="en-US"/>
           </a:p>
@@ -1245,6 +1342,10 @@
           <a:bodyPr/>
           <a:lstStyle/>
           <a:p>
+            <a:r>
+              <a:rPr lang="en-US" altLang="zh-CN" dirty="0" smtClean="0"/>
+              <a:t>https://github.com/julycoding/The-Art-Of-Programming-By-July/blob/master/ebook/zh/01.04.md</a:t>
+            </a:r>
             <a:endParaRPr lang="zh-CN" altLang="en-US" dirty="0"/>
           </a:p>
         </p:txBody>
@@ -1275,7 +1376,7 @@
     </p:spTree>
     <p:extLst>
       <p:ext uri="{BB962C8B-B14F-4D97-AF65-F5344CB8AC3E}">
-        <p14:creationId xmlns:p14="http://schemas.microsoft.com/office/powerpoint/2010/main" val="4182003756"/>
+        <p14:creationId xmlns:p14="http://schemas.microsoft.com/office/powerpoint/2010/main" val="2773760247"/>
       </p:ext>
     </p:extLst>
   </p:cSld>
@@ -1329,10 +1430,6 @@
           <a:bodyPr/>
           <a:lstStyle/>
           <a:p>
-            <a:r>
-              <a:rPr lang="en-US" altLang="zh-CN" dirty="0" smtClean="0"/>
-              <a:t>https://github.com/julycoding/The-Art-Of-Programming-By-July/blob/master/ebook/zh/01.01.md</a:t>
-            </a:r>
             <a:endParaRPr lang="zh-CN" altLang="en-US" dirty="0"/>
           </a:p>
         </p:txBody>
@@ -1363,7 +1460,7 @@
     </p:spTree>
     <p:extLst>
       <p:ext uri="{BB962C8B-B14F-4D97-AF65-F5344CB8AC3E}">
-        <p14:creationId xmlns:p14="http://schemas.microsoft.com/office/powerpoint/2010/main" val="3633755382"/>
+        <p14:creationId xmlns:p14="http://schemas.microsoft.com/office/powerpoint/2010/main" val="4182003756"/>
       </p:ext>
     </p:extLst>
   </p:cSld>
@@ -1418,21 +1515,8 @@
           <a:lstStyle/>
           <a:p>
             <a:r>
-              <a:rPr lang="zh-CN" altLang="en-US" dirty="0" smtClean="0"/>
-              <a:t>中英文混合有没有意义？</a:t>
-            </a:r>
-            <a:endParaRPr lang="en-US" altLang="zh-CN" dirty="0" smtClean="0"/>
-          </a:p>
-          <a:p>
-            <a:r>
               <a:rPr lang="en-US" altLang="zh-CN" dirty="0" smtClean="0"/>
-              <a:t>http://blog.csdn.net/v_JULY_v/article/details/6322882</a:t>
-            </a:r>
-          </a:p>
-          <a:p>
-            <a:r>
-              <a:rPr lang="en-US" altLang="zh-CN" dirty="0" smtClean="0"/>
-              <a:t>http://www.cnblogs.com/whyandinside/archive/2012/07/31/2616199.html</a:t>
+              <a:t>https://github.com/julycoding/The-Art-Of-Programming-By-July/blob/master/ebook/zh/01.01.md</a:t>
             </a:r>
             <a:endParaRPr lang="zh-CN" altLang="en-US" dirty="0"/>
           </a:p>
@@ -1455,7 +1539,7 @@
           <a:p>
             <a:fld id="{BA6CE3D9-43CE-4857-B12B-ED85D5E178F2}" type="slidenum">
               <a:rPr lang="zh-CN" altLang="en-US" smtClean="0"/>
-              <a:t>18</a:t>
+              <a:t>16</a:t>
             </a:fld>
             <a:endParaRPr lang="zh-CN" altLang="en-US"/>
           </a:p>
@@ -1464,7 +1548,7 @@
     </p:spTree>
     <p:extLst>
       <p:ext uri="{BB962C8B-B14F-4D97-AF65-F5344CB8AC3E}">
-        <p14:creationId xmlns:p14="http://schemas.microsoft.com/office/powerpoint/2010/main" val="3967161006"/>
+        <p14:creationId xmlns:p14="http://schemas.microsoft.com/office/powerpoint/2010/main" val="3633755382"/>
       </p:ext>
     </p:extLst>
   </p:cSld>
@@ -1519,27 +1603,22 @@
           <a:lstStyle/>
           <a:p>
             <a:r>
+              <a:rPr lang="zh-CN" altLang="en-US" dirty="0" smtClean="0"/>
+              <a:t>中英文混合有没有意义？</a:t>
+            </a:r>
+            <a:endParaRPr lang="en-US" altLang="zh-CN" dirty="0" smtClean="0"/>
+          </a:p>
+          <a:p>
+            <a:r>
               <a:rPr lang="en-US" altLang="zh-CN" dirty="0" smtClean="0"/>
-              <a:t>https://github.com/julycoding/The-Art-Of-Programming-By-July/blob/master/ebook/zh/01.02.md</a:t>
-            </a:r>
-            <a:endParaRPr lang="en-US" altLang="zh-CN" sz="1200" b="0" i="0" kern="1200" dirty="0" smtClean="0">
-              <a:solidFill>
-                <a:schemeClr val="tx1"/>
-              </a:solidFill>
-              <a:effectLst/>
-              <a:latin typeface="+mn-lt"/>
-              <a:ea typeface="+mn-ea"/>
-              <a:cs typeface="+mn-cs"/>
-            </a:endParaRPr>
+              <a:t>http://blog.csdn.net/v_JULY_v/article/details/6322882</a:t>
+            </a:r>
           </a:p>
           <a:p>
             <a:r>
               <a:rPr lang="en-US" altLang="zh-CN" dirty="0" smtClean="0"/>
-              <a:t>http://blog.csdn.net/v_july_v/article/details/6347454</a:t>
-            </a:r>
-            <a:endParaRPr lang="zh-CN" altLang="en-US" dirty="0" smtClean="0"/>
-          </a:p>
-          <a:p>
+              <a:t>http://www.cnblogs.com/whyandinside/archive/2012/07/31/2616199.html</a:t>
+            </a:r>
             <a:endParaRPr lang="zh-CN" altLang="en-US" dirty="0"/>
           </a:p>
         </p:txBody>
@@ -1570,7 +1649,7 @@
     </p:spTree>
     <p:extLst>
       <p:ext uri="{BB962C8B-B14F-4D97-AF65-F5344CB8AC3E}">
-        <p14:creationId xmlns:p14="http://schemas.microsoft.com/office/powerpoint/2010/main" val="844271671"/>
+        <p14:creationId xmlns:p14="http://schemas.microsoft.com/office/powerpoint/2010/main" val="3967161006"/>
       </p:ext>
     </p:extLst>
   </p:cSld>
@@ -1625,17 +1704,27 @@
           <a:lstStyle/>
           <a:p>
             <a:r>
-              <a:rPr lang="en-US" altLang="zh-CN" sz="1200" b="0" i="0" kern="1200" dirty="0" err="1" smtClean="0">
-                <a:solidFill>
-                  <a:schemeClr val="tx1"/>
-                </a:solidFill>
-                <a:effectLst/>
-                <a:latin typeface="+mn-lt"/>
-                <a:ea typeface="+mn-ea"/>
-                <a:cs typeface="+mn-cs"/>
-              </a:rPr>
-              <a:t>CBigInt</a:t>
-            </a:r>
+              <a:rPr lang="en-US" altLang="zh-CN" dirty="0" smtClean="0"/>
+              <a:t>https://github.com/julycoding/The-Art-Of-Programming-By-July/blob/master/ebook/zh/01.02.md</a:t>
+            </a:r>
+            <a:endParaRPr lang="en-US" altLang="zh-CN" sz="1200" b="0" i="0" kern="1200" dirty="0" smtClean="0">
+              <a:solidFill>
+                <a:schemeClr val="tx1"/>
+              </a:solidFill>
+              <a:effectLst/>
+              <a:latin typeface="+mn-lt"/>
+              <a:ea typeface="+mn-ea"/>
+              <a:cs typeface="+mn-cs"/>
+            </a:endParaRPr>
+          </a:p>
+          <a:p>
+            <a:r>
+              <a:rPr lang="en-US" altLang="zh-CN" dirty="0" smtClean="0"/>
+              <a:t>http://blog.csdn.net/v_july_v/article/details/6347454</a:t>
+            </a:r>
+            <a:endParaRPr lang="zh-CN" altLang="en-US" dirty="0" smtClean="0"/>
+          </a:p>
+          <a:p>
             <a:endParaRPr lang="zh-CN" altLang="en-US" dirty="0"/>
           </a:p>
         </p:txBody>
@@ -1657,7 +1746,7 @@
           <a:p>
             <a:fld id="{BA6CE3D9-43CE-4857-B12B-ED85D5E178F2}" type="slidenum">
               <a:rPr lang="zh-CN" altLang="en-US" smtClean="0"/>
-              <a:t>21</a:t>
+              <a:t>20</a:t>
             </a:fld>
             <a:endParaRPr lang="zh-CN" altLang="en-US"/>
           </a:p>
@@ -1666,7 +1755,7 @@
     </p:spTree>
     <p:extLst>
       <p:ext uri="{BB962C8B-B14F-4D97-AF65-F5344CB8AC3E}">
-        <p14:creationId xmlns:p14="http://schemas.microsoft.com/office/powerpoint/2010/main" val="2112322800"/>
+        <p14:creationId xmlns:p14="http://schemas.microsoft.com/office/powerpoint/2010/main" val="844271671"/>
       </p:ext>
     </p:extLst>
   </p:cSld>
@@ -4433,7 +4522,7 @@
           <a:p>
             <a:fld id="{530820CF-B880-4189-942D-D702A7CBA730}" type="datetimeFigureOut">
               <a:rPr lang="zh-CN" altLang="en-US" smtClean="0"/>
-              <a:t>2014/10/31</a:t>
+              <a:t>2014/11/10</a:t>
             </a:fld>
             <a:endParaRPr lang="zh-CN" altLang="en-US"/>
           </a:p>
@@ -4718,7 +4807,7 @@
           <a:p>
             <a:fld id="{530820CF-B880-4189-942D-D702A7CBA730}" type="datetimeFigureOut">
               <a:rPr lang="zh-CN" altLang="en-US" smtClean="0"/>
-              <a:t>2014/10/31</a:t>
+              <a:t>2014/11/10</a:t>
             </a:fld>
             <a:endParaRPr lang="zh-CN" altLang="en-US"/>
           </a:p>
@@ -4893,7 +4982,7 @@
           <a:p>
             <a:fld id="{530820CF-B880-4189-942D-D702A7CBA730}" type="datetimeFigureOut">
               <a:rPr lang="zh-CN" altLang="en-US" smtClean="0"/>
-              <a:t>2014/10/31</a:t>
+              <a:t>2014/11/10</a:t>
             </a:fld>
             <a:endParaRPr lang="zh-CN" altLang="en-US"/>
           </a:p>
@@ -5058,7 +5147,7 @@
           <a:p>
             <a:fld id="{530820CF-B880-4189-942D-D702A7CBA730}" type="datetimeFigureOut">
               <a:rPr lang="zh-CN" altLang="en-US" smtClean="0"/>
-              <a:t>2014/10/31</a:t>
+              <a:t>2014/11/10</a:t>
             </a:fld>
             <a:endParaRPr lang="zh-CN" altLang="en-US"/>
           </a:p>
@@ -5299,7 +5388,7 @@
           <a:p>
             <a:fld id="{530820CF-B880-4189-942D-D702A7CBA730}" type="datetimeFigureOut">
               <a:rPr lang="zh-CN" altLang="en-US" smtClean="0"/>
-              <a:t>2014/10/31</a:t>
+              <a:t>2014/11/10</a:t>
             </a:fld>
             <a:endParaRPr lang="zh-CN" altLang="en-US"/>
           </a:p>
@@ -5412,7 +5501,7 @@
           <a:p>
             <a:fld id="{530820CF-B880-4189-942D-D702A7CBA730}" type="datetimeFigureOut">
               <a:rPr lang="zh-CN" altLang="en-US" smtClean="0"/>
-              <a:t>2014/10/31</a:t>
+              <a:t>2014/11/10</a:t>
             </a:fld>
             <a:endParaRPr lang="zh-CN" altLang="en-US"/>
           </a:p>
@@ -5951,7 +6040,7 @@
           <a:p>
             <a:fld id="{530820CF-B880-4189-942D-D702A7CBA730}" type="datetimeFigureOut">
               <a:rPr lang="zh-CN" altLang="en-US" smtClean="0"/>
-              <a:t>2014/10/31</a:t>
+              <a:t>2014/11/10</a:t>
             </a:fld>
             <a:endParaRPr lang="zh-CN" altLang="en-US"/>
           </a:p>
@@ -6064,7 +6153,7 @@
           <a:p>
             <a:fld id="{530820CF-B880-4189-942D-D702A7CBA730}" type="datetimeFigureOut">
               <a:rPr lang="zh-CN" altLang="en-US" smtClean="0"/>
-              <a:t>2014/10/31</a:t>
+              <a:t>2014/11/10</a:t>
             </a:fld>
             <a:endParaRPr lang="zh-CN" altLang="en-US"/>
           </a:p>
@@ -6154,7 +6243,7 @@
           <a:p>
             <a:fld id="{530820CF-B880-4189-942D-D702A7CBA730}" type="datetimeFigureOut">
               <a:rPr lang="zh-CN" altLang="en-US" smtClean="0"/>
-              <a:t>2014/10/31</a:t>
+              <a:t>2014/11/10</a:t>
             </a:fld>
             <a:endParaRPr lang="zh-CN" altLang="en-US"/>
           </a:p>
@@ -8805,7 +8894,7 @@
           <a:p>
             <a:fld id="{530820CF-B880-4189-942D-D702A7CBA730}" type="datetimeFigureOut">
               <a:rPr lang="zh-CN" altLang="en-US" smtClean="0"/>
-              <a:t>2014/10/31</a:t>
+              <a:t>2014/11/10</a:t>
             </a:fld>
             <a:endParaRPr lang="zh-CN" altLang="en-US"/>
           </a:p>
@@ -12017,7 +12106,7 @@
           <a:p>
             <a:fld id="{530820CF-B880-4189-942D-D702A7CBA730}" type="datetimeFigureOut">
               <a:rPr lang="zh-CN" altLang="en-US" smtClean="0"/>
-              <a:t>2014/10/31</a:t>
+              <a:t>2014/11/10</a:t>
             </a:fld>
             <a:endParaRPr lang="zh-CN" altLang="en-US"/>
           </a:p>
@@ -14839,7 +14928,7 @@
           <a:p>
             <a:fld id="{530820CF-B880-4189-942D-D702A7CBA730}" type="datetimeFigureOut">
               <a:rPr lang="zh-CN" altLang="en-US" smtClean="0"/>
-              <a:t>2014/10/31</a:t>
+              <a:t>2014/11/10</a:t>
             </a:fld>
             <a:endParaRPr lang="zh-CN" altLang="en-US"/>
           </a:p>
@@ -15906,22 +15995,15 @@
             <p:ph type="title"/>
           </p:nvPr>
         </p:nvSpPr>
-        <p:spPr>
-          <a:xfrm>
-            <a:off x="1043490" y="2708920"/>
-            <a:ext cx="7024744" cy="1143000"/>
-          </a:xfrm>
-        </p:spPr>
+        <p:spPr/>
         <p:txBody>
           <a:bodyPr/>
           <a:lstStyle/>
           <a:p>
-            <a:pPr algn="ctr"/>
-            <a:r>
-              <a:rPr lang="zh-CN" altLang="en-US" dirty="0" smtClean="0"/>
-              <a:t>谢谢！</a:t>
-            </a:r>
-            <a:endParaRPr lang="zh-CN" altLang="en-US" dirty="0"/>
+            <a:r>
+              <a:rPr lang="zh-CN" altLang="en-US" dirty="0"/>
+              <a:t>回文判断</a:t>
+            </a:r>
           </a:p>
         </p:txBody>
       </p:sp>
@@ -15947,20 +16029,13 @@
     </p:spTree>
     <p:extLst>
       <p:ext uri="{BB962C8B-B14F-4D97-AF65-F5344CB8AC3E}">
-        <p14:creationId xmlns:p14="http://schemas.microsoft.com/office/powerpoint/2010/main" val="3076632905"/>
+        <p14:creationId xmlns:p14="http://schemas.microsoft.com/office/powerpoint/2010/main" val="2920749085"/>
       </p:ext>
     </p:extLst>
   </p:cSld>
   <p:clrMapOvr>
     <a:masterClrMapping/>
   </p:clrMapOvr>
-  <p:timing>
-    <p:tnLst>
-      <p:par>
-        <p:cTn id="1" dur="indefinite" restart="never" nodeType="tmRoot"/>
-      </p:par>
-    </p:tnLst>
-  </p:timing>
 </p:sld>
 </file>
 
@@ -15991,15 +16066,22 @@
             <p:ph type="title"/>
           </p:nvPr>
         </p:nvSpPr>
-        <p:spPr/>
+        <p:spPr>
+          <a:xfrm>
+            <a:off x="1043490" y="2708920"/>
+            <a:ext cx="7024744" cy="1143000"/>
+          </a:xfrm>
+        </p:spPr>
         <p:txBody>
           <a:bodyPr/>
           <a:lstStyle/>
           <a:p>
-            <a:r>
-              <a:rPr lang="zh-CN" altLang="en-US" dirty="0"/>
-              <a:t>旋转字符串</a:t>
-            </a:r>
+            <a:pPr algn="ctr"/>
+            <a:r>
+              <a:rPr lang="zh-CN" altLang="en-US" dirty="0" smtClean="0"/>
+              <a:t>谢谢！</a:t>
+            </a:r>
+            <a:endParaRPr lang="zh-CN" altLang="en-US" dirty="0"/>
           </a:p>
         </p:txBody>
       </p:sp>
@@ -16018,6 +16100,84 @@
           <a:bodyPr/>
           <a:lstStyle/>
           <a:p>
+            <a:endParaRPr lang="zh-CN" altLang="en-US" dirty="0"/>
+          </a:p>
+        </p:txBody>
+      </p:sp>
+    </p:spTree>
+    <p:extLst>
+      <p:ext uri="{BB962C8B-B14F-4D97-AF65-F5344CB8AC3E}">
+        <p14:creationId xmlns:p14="http://schemas.microsoft.com/office/powerpoint/2010/main" val="3076632905"/>
+      </p:ext>
+    </p:extLst>
+  </p:cSld>
+  <p:clrMapOvr>
+    <a:masterClrMapping/>
+  </p:clrMapOvr>
+  <p:timing>
+    <p:tnLst>
+      <p:par>
+        <p:cTn id="1" dur="indefinite" restart="never" nodeType="tmRoot"/>
+      </p:par>
+    </p:tnLst>
+  </p:timing>
+</p:sld>
+</file>
+
+<file path=ppt/slides/slide16.xml><?xml version="1.0" encoding="utf-8"?>
+<p:sld xmlns:a="http://schemas.openxmlformats.org/drawingml/2006/main" xmlns:r="http://schemas.openxmlformats.org/officeDocument/2006/relationships" xmlns:p="http://schemas.openxmlformats.org/presentationml/2006/main">
+  <p:cSld>
+    <p:spTree>
+      <p:nvGrpSpPr>
+        <p:cNvPr id="1" name=""/>
+        <p:cNvGrpSpPr/>
+        <p:nvPr/>
+      </p:nvGrpSpPr>
+      <p:grpSpPr>
+        <a:xfrm>
+          <a:off x="0" y="0"/>
+          <a:ext cx="0" cy="0"/>
+          <a:chOff x="0" y="0"/>
+          <a:chExt cx="0" cy="0"/>
+        </a:xfrm>
+      </p:grpSpPr>
+      <p:sp>
+        <p:nvSpPr>
+          <p:cNvPr id="2" name="标题 1"/>
+          <p:cNvSpPr>
+            <a:spLocks noGrp="1"/>
+          </p:cNvSpPr>
+          <p:nvPr>
+            <p:ph type="title"/>
+          </p:nvPr>
+        </p:nvSpPr>
+        <p:spPr/>
+        <p:txBody>
+          <a:bodyPr/>
+          <a:lstStyle/>
+          <a:p>
+            <a:r>
+              <a:rPr lang="zh-CN" altLang="en-US" dirty="0"/>
+              <a:t>旋转字符串</a:t>
+            </a:r>
+          </a:p>
+        </p:txBody>
+      </p:sp>
+      <p:sp>
+        <p:nvSpPr>
+          <p:cNvPr id="3" name="内容占位符 2"/>
+          <p:cNvSpPr>
+            <a:spLocks noGrp="1"/>
+          </p:cNvSpPr>
+          <p:nvPr>
+            <p:ph idx="1"/>
+          </p:nvPr>
+        </p:nvSpPr>
+        <p:spPr/>
+        <p:txBody>
+          <a:bodyPr/>
+          <a:lstStyle/>
+          <a:p>
             <a:r>
               <a:rPr lang="zh-CN" altLang="en-US" dirty="0"/>
               <a:t>给定一个字符串，要求把字符串前面的若干个字符移动到字符串的尾部，如把字符串“</a:t>
@@ -16110,7 +16270,7 @@
 </p:sld>
 </file>
 
-<file path=ppt/slides/slide16.xml><?xml version="1.0" encoding="utf-8"?>
+<file path=ppt/slides/slide17.xml><?xml version="1.0" encoding="utf-8"?>
 <p:sld xmlns:a="http://schemas.openxmlformats.org/drawingml/2006/main" xmlns:r="http://schemas.openxmlformats.org/officeDocument/2006/relationships" xmlns:p="http://schemas.openxmlformats.org/presentationml/2006/main">
   <p:cSld>
     <p:spTree>
@@ -16202,7 +16362,7 @@
 </p:sld>
 </file>
 
-<file path=ppt/slides/slide17.xml><?xml version="1.0" encoding="utf-8"?>
+<file path=ppt/slides/slide18.xml><?xml version="1.0" encoding="utf-8"?>
 <p:sld xmlns:a="http://schemas.openxmlformats.org/drawingml/2006/main" xmlns:r="http://schemas.openxmlformats.org/officeDocument/2006/relationships" xmlns:p="http://schemas.openxmlformats.org/presentationml/2006/main">
   <p:cSld>
     <p:spTree>
@@ -16318,89 +16478,6 @@
 </p:sld>
 </file>
 
-<file path=ppt/slides/slide18.xml><?xml version="1.0" encoding="utf-8"?>
-<p:sld xmlns:a="http://schemas.openxmlformats.org/drawingml/2006/main" xmlns:r="http://schemas.openxmlformats.org/officeDocument/2006/relationships" xmlns:p="http://schemas.openxmlformats.org/presentationml/2006/main">
-  <p:cSld>
-    <p:spTree>
-      <p:nvGrpSpPr>
-        <p:cNvPr id="1" name=""/>
-        <p:cNvGrpSpPr/>
-        <p:nvPr/>
-      </p:nvGrpSpPr>
-      <p:grpSpPr>
-        <a:xfrm>
-          <a:off x="0" y="0"/>
-          <a:ext cx="0" cy="0"/>
-          <a:chOff x="0" y="0"/>
-          <a:chExt cx="0" cy="0"/>
-        </a:xfrm>
-      </p:grpSpPr>
-      <p:sp>
-        <p:nvSpPr>
-          <p:cNvPr id="2" name="标题 1"/>
-          <p:cNvSpPr>
-            <a:spLocks noGrp="1"/>
-          </p:cNvSpPr>
-          <p:nvPr>
-            <p:ph type="title"/>
-          </p:nvPr>
-        </p:nvSpPr>
-        <p:spPr/>
-        <p:txBody>
-          <a:bodyPr/>
-          <a:lstStyle/>
-          <a:p>
-            <a:endParaRPr lang="zh-CN" altLang="en-US"/>
-          </a:p>
-        </p:txBody>
-      </p:sp>
-      <p:sp>
-        <p:nvSpPr>
-          <p:cNvPr id="3" name="内容占位符 2"/>
-          <p:cNvSpPr>
-            <a:spLocks noGrp="1"/>
-          </p:cNvSpPr>
-          <p:nvPr>
-            <p:ph idx="1"/>
-          </p:nvPr>
-        </p:nvSpPr>
-        <p:spPr/>
-        <p:txBody>
-          <a:bodyPr/>
-          <a:lstStyle/>
-          <a:p>
-            <a:r>
-              <a:rPr lang="en-US" altLang="zh-CN" dirty="0" err="1"/>
-              <a:t>stl</a:t>
-            </a:r>
-            <a:r>
-              <a:rPr lang="zh-CN" altLang="en-US" dirty="0"/>
-              <a:t>的</a:t>
-            </a:r>
-            <a:r>
-              <a:rPr lang="en-US" altLang="zh-CN" dirty="0"/>
-              <a:t>rotate</a:t>
-            </a:r>
-            <a:r>
-              <a:rPr lang="zh-CN" altLang="en-US" dirty="0"/>
-              <a:t>的三种迭代器</a:t>
-            </a:r>
-          </a:p>
-        </p:txBody>
-      </p:sp>
-    </p:spTree>
-    <p:extLst>
-      <p:ext uri="{BB962C8B-B14F-4D97-AF65-F5344CB8AC3E}">
-        <p14:creationId xmlns:p14="http://schemas.microsoft.com/office/powerpoint/2010/main" val="905391555"/>
-      </p:ext>
-    </p:extLst>
-  </p:cSld>
-  <p:clrMapOvr>
-    <a:masterClrMapping/>
-  </p:clrMapOvr>
-</p:sld>
-</file>
-
 <file path=ppt/slides/slide19.xml><?xml version="1.0" encoding="utf-8"?>
 <p:sld xmlns:a="http://schemas.openxmlformats.org/drawingml/2006/main" xmlns:r="http://schemas.openxmlformats.org/officeDocument/2006/relationships" xmlns:p="http://schemas.openxmlformats.org/presentationml/2006/main">
   <p:cSld>
@@ -16433,11 +16510,7 @@
           <a:bodyPr/>
           <a:lstStyle/>
           <a:p>
-            <a:r>
-              <a:rPr lang="zh-CN" altLang="en-US" dirty="0" smtClean="0"/>
-              <a:t>字符串包含</a:t>
-            </a:r>
-            <a:endParaRPr lang="zh-CN" altLang="en-US" dirty="0"/>
+            <a:endParaRPr lang="zh-CN" altLang="en-US"/>
           </a:p>
         </p:txBody>
       </p:sp>
@@ -16453,140 +16526,24 @@
         </p:nvSpPr>
         <p:spPr/>
         <p:txBody>
-          <a:bodyPr>
-            <a:normAutofit/>
-          </a:bodyPr>
+          <a:bodyPr/>
           <a:lstStyle/>
           <a:p>
             <a:r>
+              <a:rPr lang="en-US" altLang="zh-CN" dirty="0" err="1"/>
+              <a:t>stl</a:t>
+            </a:r>
+            <a:r>
               <a:rPr lang="zh-CN" altLang="en-US" dirty="0"/>
-              <a:t>给定两个分别由字母组成的字符串</a:t>
+              <a:t>的</a:t>
             </a:r>
             <a:r>
               <a:rPr lang="en-US" altLang="zh-CN" dirty="0"/>
-              <a:t>A</a:t>
+              <a:t>rotate</a:t>
             </a:r>
             <a:r>
               <a:rPr lang="zh-CN" altLang="en-US" dirty="0"/>
-              <a:t>和字符串</a:t>
-            </a:r>
-            <a:r>
-              <a:rPr lang="en-US" altLang="zh-CN" dirty="0"/>
-              <a:t>B</a:t>
-            </a:r>
-            <a:r>
-              <a:rPr lang="zh-CN" altLang="en-US" dirty="0"/>
-              <a:t>，字符串</a:t>
-            </a:r>
-            <a:r>
-              <a:rPr lang="en-US" altLang="zh-CN" dirty="0"/>
-              <a:t>B</a:t>
-            </a:r>
-            <a:r>
-              <a:rPr lang="zh-CN" altLang="en-US" dirty="0"/>
-              <a:t>的长度比字符串</a:t>
-            </a:r>
-            <a:r>
-              <a:rPr lang="en-US" altLang="zh-CN" dirty="0"/>
-              <a:t>A</a:t>
-            </a:r>
-            <a:r>
-              <a:rPr lang="zh-CN" altLang="en-US" dirty="0"/>
-              <a:t>短。请问，如何最快地判断字符串</a:t>
-            </a:r>
-            <a:r>
-              <a:rPr lang="en-US" altLang="zh-CN" dirty="0"/>
-              <a:t>B</a:t>
-            </a:r>
-            <a:r>
-              <a:rPr lang="zh-CN" altLang="en-US" dirty="0"/>
-              <a:t>中所有字母是否都在字符串</a:t>
-            </a:r>
-            <a:r>
-              <a:rPr lang="en-US" altLang="zh-CN" dirty="0"/>
-              <a:t>A</a:t>
-            </a:r>
-            <a:r>
-              <a:rPr lang="zh-CN" altLang="en-US" dirty="0"/>
-              <a:t>里</a:t>
-            </a:r>
-            <a:r>
-              <a:rPr lang="zh-CN" altLang="en-US" dirty="0" smtClean="0"/>
-              <a:t>？</a:t>
-            </a:r>
-            <a:endParaRPr lang="zh-CN" altLang="en-US" dirty="0"/>
-          </a:p>
-          <a:p>
-            <a:r>
-              <a:rPr lang="zh-CN" altLang="en-US" dirty="0"/>
-              <a:t>为了简单起见，我们规定输入的字符串只包含大写英文字母，请实现函数</a:t>
-            </a:r>
-            <a:r>
-              <a:rPr lang="en-US" altLang="zh-CN" dirty="0" err="1"/>
-              <a:t>bool</a:t>
-            </a:r>
-            <a:r>
-              <a:rPr lang="en-US" altLang="zh-CN" dirty="0"/>
-              <a:t> </a:t>
-            </a:r>
-            <a:r>
-              <a:rPr lang="en-US" altLang="zh-CN" dirty="0" err="1"/>
-              <a:t>StringContains</a:t>
-            </a:r>
-            <a:r>
-              <a:rPr lang="en-US" altLang="zh-CN" dirty="0"/>
-              <a:t>(string &amp;A, string &amp;B</a:t>
-            </a:r>
-            <a:r>
-              <a:rPr lang="en-US" altLang="zh-CN" dirty="0" smtClean="0"/>
-              <a:t>)</a:t>
-            </a:r>
-            <a:endParaRPr lang="en-US" altLang="zh-CN" dirty="0"/>
-          </a:p>
-          <a:p>
-            <a:r>
-              <a:rPr lang="zh-CN" altLang="en-US" dirty="0" smtClean="0"/>
-              <a:t>如果</a:t>
-            </a:r>
-            <a:r>
-              <a:rPr lang="en-US" altLang="zh-CN" dirty="0"/>
-              <a:t>string1</a:t>
-            </a:r>
-            <a:r>
-              <a:rPr lang="zh-CN" altLang="en-US" dirty="0"/>
-              <a:t>：</a:t>
-            </a:r>
-            <a:r>
-              <a:rPr lang="en-US" altLang="zh-CN" dirty="0"/>
-              <a:t>ABCD</a:t>
-            </a:r>
-            <a:r>
-              <a:rPr lang="zh-CN" altLang="en-US" dirty="0"/>
-              <a:t>，</a:t>
-            </a:r>
-            <a:r>
-              <a:rPr lang="en-US" altLang="zh-CN" dirty="0"/>
-              <a:t>string 2</a:t>
-            </a:r>
-            <a:r>
-              <a:rPr lang="zh-CN" altLang="en-US" dirty="0"/>
-              <a:t>：</a:t>
-            </a:r>
-            <a:r>
-              <a:rPr lang="en-US" altLang="zh-CN" dirty="0"/>
-              <a:t>AA</a:t>
-            </a:r>
-            <a:r>
-              <a:rPr lang="zh-CN" altLang="en-US" dirty="0"/>
-              <a:t>，同样返回</a:t>
-            </a:r>
-            <a:r>
-              <a:rPr lang="en-US" altLang="zh-CN" dirty="0"/>
-              <a:t>true</a:t>
-            </a:r>
-            <a:r>
-              <a:rPr lang="zh-CN" altLang="en-US" dirty="0"/>
-              <a:t>。</a:t>
+              <a:t>的三种迭代器</a:t>
             </a:r>
           </a:p>
         </p:txBody>
@@ -16594,20 +16551,13 @@
     </p:spTree>
     <p:extLst>
       <p:ext uri="{BB962C8B-B14F-4D97-AF65-F5344CB8AC3E}">
-        <p14:creationId xmlns:p14="http://schemas.microsoft.com/office/powerpoint/2010/main" val="3008375813"/>
+        <p14:creationId xmlns:p14="http://schemas.microsoft.com/office/powerpoint/2010/main" val="905391555"/>
       </p:ext>
     </p:extLst>
   </p:cSld>
   <p:clrMapOvr>
     <a:masterClrMapping/>
   </p:clrMapOvr>
-  <p:timing>
-    <p:tnLst>
-      <p:par>
-        <p:cTn id="1" dur="indefinite" restart="never" nodeType="tmRoot"/>
-      </p:par>
-    </p:tnLst>
-  </p:timing>
 </p:sld>
 </file>
 
@@ -16689,7 +16639,6 @@
               <a:rPr lang="zh-CN" altLang="en-US" dirty="0"/>
               <a:t>空格</a:t>
             </a:r>
-            <a:endParaRPr lang="zh-CN" altLang="en-US" dirty="0"/>
           </a:p>
           <a:p>
             <a:r>
@@ -16807,7 +16756,11 @@
           <a:bodyPr/>
           <a:lstStyle/>
           <a:p>
-            <a:endParaRPr lang="zh-CN" altLang="en-US"/>
+            <a:r>
+              <a:rPr lang="zh-CN" altLang="en-US" dirty="0" smtClean="0"/>
+              <a:t>字符串包含</a:t>
+            </a:r>
+            <a:endParaRPr lang="zh-CN" altLang="en-US" dirty="0"/>
           </a:p>
         </p:txBody>
       </p:sp>
@@ -16823,47 +16776,161 @@
         </p:nvSpPr>
         <p:spPr/>
         <p:txBody>
-          <a:bodyPr/>
+          <a:bodyPr>
+            <a:normAutofit/>
+          </a:bodyPr>
           <a:lstStyle/>
           <a:p>
-            <a:endParaRPr lang="zh-CN" altLang="en-US"/>
+            <a:r>
+              <a:rPr lang="zh-CN" altLang="en-US" dirty="0"/>
+              <a:t>给定两个分别由字母组成的字符串</a:t>
+            </a:r>
+            <a:r>
+              <a:rPr lang="en-US" altLang="zh-CN" dirty="0"/>
+              <a:t>A</a:t>
+            </a:r>
+            <a:r>
+              <a:rPr lang="zh-CN" altLang="en-US" dirty="0"/>
+              <a:t>和字符串</a:t>
+            </a:r>
+            <a:r>
+              <a:rPr lang="en-US" altLang="zh-CN" dirty="0"/>
+              <a:t>B</a:t>
+            </a:r>
+            <a:r>
+              <a:rPr lang="zh-CN" altLang="en-US" dirty="0"/>
+              <a:t>，字符串</a:t>
+            </a:r>
+            <a:r>
+              <a:rPr lang="en-US" altLang="zh-CN" dirty="0"/>
+              <a:t>B</a:t>
+            </a:r>
+            <a:r>
+              <a:rPr lang="zh-CN" altLang="en-US" dirty="0"/>
+              <a:t>的长度比字符串</a:t>
+            </a:r>
+            <a:r>
+              <a:rPr lang="en-US" altLang="zh-CN" dirty="0"/>
+              <a:t>A</a:t>
+            </a:r>
+            <a:r>
+              <a:rPr lang="zh-CN" altLang="en-US" dirty="0"/>
+              <a:t>短。请问，如何最快地判断字符串</a:t>
+            </a:r>
+            <a:r>
+              <a:rPr lang="en-US" altLang="zh-CN" dirty="0"/>
+              <a:t>B</a:t>
+            </a:r>
+            <a:r>
+              <a:rPr lang="zh-CN" altLang="en-US" dirty="0"/>
+              <a:t>中所有字母是否都在字符串</a:t>
+            </a:r>
+            <a:r>
+              <a:rPr lang="en-US" altLang="zh-CN" dirty="0"/>
+              <a:t>A</a:t>
+            </a:r>
+            <a:r>
+              <a:rPr lang="zh-CN" altLang="en-US" dirty="0"/>
+              <a:t>里</a:t>
+            </a:r>
+            <a:r>
+              <a:rPr lang="zh-CN" altLang="en-US" dirty="0" smtClean="0"/>
+              <a:t>？</a:t>
+            </a:r>
+            <a:endParaRPr lang="zh-CN" altLang="en-US" dirty="0"/>
+          </a:p>
+          <a:p>
+            <a:r>
+              <a:rPr lang="zh-CN" altLang="en-US" dirty="0"/>
+              <a:t>为了简单起见，我们规定输入的字符串只包含大写英文字母，请实现函数</a:t>
+            </a:r>
+            <a:r>
+              <a:rPr lang="en-US" altLang="zh-CN" dirty="0" err="1"/>
+              <a:t>bool</a:t>
+            </a:r>
+            <a:r>
+              <a:rPr lang="en-US" altLang="zh-CN" dirty="0"/>
+              <a:t> </a:t>
+            </a:r>
+            <a:r>
+              <a:rPr lang="en-US" altLang="zh-CN" dirty="0" err="1"/>
+              <a:t>StringContains</a:t>
+            </a:r>
+            <a:r>
+              <a:rPr lang="en-US" altLang="zh-CN" dirty="0"/>
+              <a:t>(string &amp;A, string &amp;B</a:t>
+            </a:r>
+            <a:r>
+              <a:rPr lang="en-US" altLang="zh-CN" dirty="0" smtClean="0"/>
+              <a:t>)</a:t>
+            </a:r>
+            <a:endParaRPr lang="en-US" altLang="zh-CN" dirty="0"/>
+          </a:p>
+          <a:p>
+            <a:r>
+              <a:rPr lang="zh-CN" altLang="en-US" dirty="0" smtClean="0"/>
+              <a:t>如果</a:t>
+            </a:r>
+            <a:r>
+              <a:rPr lang="en-US" altLang="zh-CN" dirty="0"/>
+              <a:t>string1</a:t>
+            </a:r>
+            <a:r>
+              <a:rPr lang="zh-CN" altLang="en-US" dirty="0"/>
+              <a:t>：</a:t>
+            </a:r>
+            <a:r>
+              <a:rPr lang="en-US" altLang="zh-CN" dirty="0"/>
+              <a:t>ABCD</a:t>
+            </a:r>
+            <a:r>
+              <a:rPr lang="zh-CN" altLang="en-US" dirty="0"/>
+              <a:t>，</a:t>
+            </a:r>
+            <a:r>
+              <a:rPr lang="en-US" altLang="zh-CN" dirty="0"/>
+              <a:t>string 2</a:t>
+            </a:r>
+            <a:r>
+              <a:rPr lang="zh-CN" altLang="en-US" dirty="0"/>
+              <a:t>：</a:t>
+            </a:r>
+            <a:r>
+              <a:rPr lang="en-US" altLang="zh-CN" dirty="0"/>
+              <a:t>AA</a:t>
+            </a:r>
+            <a:r>
+              <a:rPr lang="zh-CN" altLang="en-US" dirty="0"/>
+              <a:t>，同样返回</a:t>
+            </a:r>
+            <a:r>
+              <a:rPr lang="en-US" altLang="zh-CN" dirty="0"/>
+              <a:t>true</a:t>
+            </a:r>
+            <a:r>
+              <a:rPr lang="zh-CN" altLang="en-US" dirty="0"/>
+              <a:t>。</a:t>
+            </a:r>
           </a:p>
         </p:txBody>
       </p:sp>
-      <p:pic>
-        <p:nvPicPr>
-          <p:cNvPr id="4" name="图片 3"/>
-          <p:cNvPicPr>
-            <a:picLocks noChangeAspect="1"/>
-          </p:cNvPicPr>
-          <p:nvPr/>
-        </p:nvPicPr>
-        <p:blipFill>
-          <a:blip r:embed="rId2"/>
-          <a:stretch>
-            <a:fillRect/>
-          </a:stretch>
-        </p:blipFill>
-        <p:spPr>
-          <a:xfrm>
-            <a:off x="509587" y="919162"/>
-            <a:ext cx="8124825" cy="5019675"/>
-          </a:xfrm>
-          <a:prstGeom prst="rect">
-            <a:avLst/>
-          </a:prstGeom>
-        </p:spPr>
-      </p:pic>
     </p:spTree>
     <p:extLst>
       <p:ext uri="{BB962C8B-B14F-4D97-AF65-F5344CB8AC3E}">
-        <p14:creationId xmlns:p14="http://schemas.microsoft.com/office/powerpoint/2010/main" val="2986012219"/>
+        <p14:creationId xmlns:p14="http://schemas.microsoft.com/office/powerpoint/2010/main" val="3008375813"/>
       </p:ext>
     </p:extLst>
   </p:cSld>
   <p:clrMapOvr>
     <a:masterClrMapping/>
   </p:clrMapOvr>
+  <p:timing>
+    <p:tnLst>
+      <p:par>
+        <p:cTn id="1" dur="indefinite" restart="never" nodeType="tmRoot"/>
+      </p:par>
+    </p:tnLst>
+  </p:timing>
 </p:sld>
 </file>
 
@@ -16924,22 +16991,22 @@
       </p:sp>
       <p:pic>
         <p:nvPicPr>
-          <p:cNvPr id="5" name="图片 4"/>
+          <p:cNvPr id="4" name="图片 3"/>
           <p:cNvPicPr>
             <a:picLocks noChangeAspect="1"/>
           </p:cNvPicPr>
           <p:nvPr/>
         </p:nvPicPr>
         <p:blipFill>
-          <a:blip r:embed="rId3"/>
+          <a:blip r:embed="rId2"/>
           <a:stretch>
             <a:fillRect/>
           </a:stretch>
         </p:blipFill>
         <p:spPr>
           <a:xfrm>
-            <a:off x="471487" y="1690687"/>
-            <a:ext cx="8201025" cy="3476625"/>
+            <a:off x="509587" y="919162"/>
+            <a:ext cx="8124825" cy="5019675"/>
           </a:xfrm>
           <a:prstGeom prst="rect">
             <a:avLst/>
@@ -16949,7 +17016,7 @@
     </p:spTree>
     <p:extLst>
       <p:ext uri="{BB962C8B-B14F-4D97-AF65-F5344CB8AC3E}">
-        <p14:creationId xmlns:p14="http://schemas.microsoft.com/office/powerpoint/2010/main" val="1186462670"/>
+        <p14:creationId xmlns:p14="http://schemas.microsoft.com/office/powerpoint/2010/main" val="2986012219"/>
       </p:ext>
     </p:extLst>
   </p:cSld>
@@ -17016,22 +17083,22 @@
       </p:sp>
       <p:pic>
         <p:nvPicPr>
-          <p:cNvPr id="4" name="图片 3"/>
+          <p:cNvPr id="5" name="图片 4"/>
           <p:cNvPicPr>
             <a:picLocks noChangeAspect="1"/>
           </p:cNvPicPr>
           <p:nvPr/>
         </p:nvPicPr>
         <p:blipFill>
-          <a:blip r:embed="rId2"/>
+          <a:blip r:embed="rId3"/>
           <a:stretch>
             <a:fillRect/>
           </a:stretch>
         </p:blipFill>
         <p:spPr>
           <a:xfrm>
-            <a:off x="447675" y="852487"/>
-            <a:ext cx="8248650" cy="5153025"/>
+            <a:off x="471487" y="1690687"/>
+            <a:ext cx="8201025" cy="3476625"/>
           </a:xfrm>
           <a:prstGeom prst="rect">
             <a:avLst/>
@@ -17041,7 +17108,7 @@
     </p:spTree>
     <p:extLst>
       <p:ext uri="{BB962C8B-B14F-4D97-AF65-F5344CB8AC3E}">
-        <p14:creationId xmlns:p14="http://schemas.microsoft.com/office/powerpoint/2010/main" val="4216281442"/>
+        <p14:creationId xmlns:p14="http://schemas.microsoft.com/office/powerpoint/2010/main" val="1186462670"/>
       </p:ext>
     </p:extLst>
   </p:cSld>
@@ -17102,107 +17169,38 @@
           <a:bodyPr/>
           <a:lstStyle/>
           <a:p>
-            <a:r>
-              <a:rPr lang="en-US" altLang="zh-CN" dirty="0" smtClean="0"/>
-              <a:t>26</a:t>
-            </a:r>
-            <a:r>
-              <a:rPr lang="zh-CN" altLang="en-US" dirty="0" smtClean="0"/>
-              <a:t>个字母</a:t>
-            </a:r>
-            <a:endParaRPr lang="en-US" altLang="zh-CN" dirty="0" smtClean="0"/>
-          </a:p>
-          <a:p>
-            <a:r>
-              <a:rPr lang="en-US" altLang="zh-CN" dirty="0" smtClean="0"/>
-              <a:t>3217644767340672907899084554130</a:t>
-            </a:r>
-            <a:r>
-              <a:rPr lang="zh-CN" altLang="en-US" dirty="0" smtClean="0"/>
-              <a:t>（</a:t>
-            </a:r>
-            <a:r>
-              <a:rPr lang="en-US" altLang="zh-CN" dirty="0" smtClean="0"/>
-              <a:t>10</a:t>
-            </a:r>
-            <a:r>
-              <a:rPr lang="en-US" altLang="zh-CN" baseline="30000" dirty="0" smtClean="0"/>
-              <a:t>30</a:t>
-            </a:r>
-            <a:r>
-              <a:rPr lang="zh-CN" altLang="en-US" dirty="0" smtClean="0"/>
-              <a:t>）</a:t>
-            </a:r>
-            <a:endParaRPr lang="en-US" altLang="zh-CN" dirty="0" smtClean="0"/>
-          </a:p>
-          <a:p>
-            <a:r>
-              <a:rPr lang="en-US" altLang="zh-CN" dirty="0" smtClean="0"/>
-              <a:t>2</a:t>
-            </a:r>
-            <a:r>
-              <a:rPr lang="en-US" altLang="zh-CN" baseline="30000" dirty="0" smtClean="0"/>
-              <a:t>31</a:t>
-            </a:r>
-            <a:r>
-              <a:rPr lang="en-US" altLang="zh-CN" dirty="0"/>
-              <a:t>=2147483648</a:t>
-            </a:r>
-            <a:r>
-              <a:rPr lang="zh-CN" altLang="en-US" dirty="0" smtClean="0"/>
-              <a:t>（</a:t>
-            </a:r>
-            <a:r>
-              <a:rPr lang="en-US" altLang="zh-CN" dirty="0" smtClean="0"/>
-              <a:t>10</a:t>
-            </a:r>
-            <a:r>
-              <a:rPr lang="en-US" altLang="zh-CN" baseline="30000" dirty="0" smtClean="0"/>
-              <a:t>9</a:t>
-            </a:r>
-            <a:r>
-              <a:rPr lang="zh-CN" altLang="en-US" dirty="0" smtClean="0"/>
-              <a:t>）</a:t>
-            </a:r>
-            <a:endParaRPr lang="en-US" altLang="zh-CN" dirty="0" smtClean="0"/>
-          </a:p>
-          <a:p>
-            <a:r>
-              <a:rPr lang="en-US" altLang="zh-CN" smtClean="0"/>
-              <a:t>2</a:t>
-            </a:r>
-            <a:r>
-              <a:rPr lang="en-US" altLang="zh-CN" baseline="30000" smtClean="0"/>
-              <a:t>63</a:t>
-            </a:r>
-            <a:r>
-              <a:rPr lang="en-US" altLang="zh-CN" smtClean="0"/>
-              <a:t>=9223372036854775808</a:t>
-            </a:r>
-            <a:r>
-              <a:rPr lang="zh-CN" altLang="en-US" dirty="0" smtClean="0"/>
-              <a:t>（</a:t>
-            </a:r>
-            <a:r>
-              <a:rPr lang="en-US" altLang="zh-CN" dirty="0" smtClean="0"/>
-              <a:t>10</a:t>
-            </a:r>
-            <a:r>
-              <a:rPr lang="en-US" altLang="zh-CN" baseline="30000" dirty="0" smtClean="0"/>
-              <a:t>18</a:t>
-            </a:r>
-            <a:r>
-              <a:rPr lang="zh-CN" altLang="en-US" dirty="0" smtClean="0"/>
-              <a:t>）</a:t>
-            </a:r>
-            <a:endParaRPr lang="zh-CN" altLang="en-US" dirty="0"/>
+            <a:endParaRPr lang="zh-CN" altLang="en-US"/>
           </a:p>
         </p:txBody>
       </p:sp>
+      <p:pic>
+        <p:nvPicPr>
+          <p:cNvPr id="4" name="图片 3"/>
+          <p:cNvPicPr>
+            <a:picLocks noChangeAspect="1"/>
+          </p:cNvPicPr>
+          <p:nvPr/>
+        </p:nvPicPr>
+        <p:blipFill>
+          <a:blip r:embed="rId2"/>
+          <a:stretch>
+            <a:fillRect/>
+          </a:stretch>
+        </p:blipFill>
+        <p:spPr>
+          <a:xfrm>
+            <a:off x="447675" y="852487"/>
+            <a:ext cx="8248650" cy="5153025"/>
+          </a:xfrm>
+          <a:prstGeom prst="rect">
+            <a:avLst/>
+          </a:prstGeom>
+        </p:spPr>
+      </p:pic>
     </p:spTree>
     <p:extLst>
       <p:ext uri="{BB962C8B-B14F-4D97-AF65-F5344CB8AC3E}">
-        <p14:creationId xmlns:p14="http://schemas.microsoft.com/office/powerpoint/2010/main" val="3691750419"/>
+        <p14:creationId xmlns:p14="http://schemas.microsoft.com/office/powerpoint/2010/main" val="4216281442"/>
       </p:ext>
     </p:extLst>
   </p:cSld>
@@ -17263,38 +17261,107 @@
           <a:bodyPr/>
           <a:lstStyle/>
           <a:p>
-            <a:endParaRPr lang="zh-CN" altLang="en-US"/>
+            <a:r>
+              <a:rPr lang="en-US" altLang="zh-CN" dirty="0" smtClean="0"/>
+              <a:t>26</a:t>
+            </a:r>
+            <a:r>
+              <a:rPr lang="zh-CN" altLang="en-US" dirty="0" smtClean="0"/>
+              <a:t>个字母</a:t>
+            </a:r>
+            <a:endParaRPr lang="en-US" altLang="zh-CN" dirty="0" smtClean="0"/>
+          </a:p>
+          <a:p>
+            <a:r>
+              <a:rPr lang="en-US" altLang="zh-CN" dirty="0" smtClean="0"/>
+              <a:t>3217644767340672907899084554130</a:t>
+            </a:r>
+            <a:r>
+              <a:rPr lang="zh-CN" altLang="en-US" dirty="0" smtClean="0"/>
+              <a:t>（</a:t>
+            </a:r>
+            <a:r>
+              <a:rPr lang="en-US" altLang="zh-CN" dirty="0" smtClean="0"/>
+              <a:t>10</a:t>
+            </a:r>
+            <a:r>
+              <a:rPr lang="en-US" altLang="zh-CN" baseline="30000" dirty="0" smtClean="0"/>
+              <a:t>30</a:t>
+            </a:r>
+            <a:r>
+              <a:rPr lang="zh-CN" altLang="en-US" dirty="0" smtClean="0"/>
+              <a:t>）</a:t>
+            </a:r>
+            <a:endParaRPr lang="en-US" altLang="zh-CN" dirty="0" smtClean="0"/>
+          </a:p>
+          <a:p>
+            <a:r>
+              <a:rPr lang="en-US" altLang="zh-CN" dirty="0" smtClean="0"/>
+              <a:t>2</a:t>
+            </a:r>
+            <a:r>
+              <a:rPr lang="en-US" altLang="zh-CN" baseline="30000" dirty="0" smtClean="0"/>
+              <a:t>31</a:t>
+            </a:r>
+            <a:r>
+              <a:rPr lang="en-US" altLang="zh-CN" dirty="0"/>
+              <a:t>=2147483648</a:t>
+            </a:r>
+            <a:r>
+              <a:rPr lang="zh-CN" altLang="en-US" dirty="0" smtClean="0"/>
+              <a:t>（</a:t>
+            </a:r>
+            <a:r>
+              <a:rPr lang="en-US" altLang="zh-CN" dirty="0" smtClean="0"/>
+              <a:t>10</a:t>
+            </a:r>
+            <a:r>
+              <a:rPr lang="en-US" altLang="zh-CN" baseline="30000" dirty="0" smtClean="0"/>
+              <a:t>9</a:t>
+            </a:r>
+            <a:r>
+              <a:rPr lang="zh-CN" altLang="en-US" dirty="0" smtClean="0"/>
+              <a:t>）</a:t>
+            </a:r>
+            <a:endParaRPr lang="en-US" altLang="zh-CN" dirty="0" smtClean="0"/>
+          </a:p>
+          <a:p>
+            <a:r>
+              <a:rPr lang="en-US" altLang="zh-CN" smtClean="0"/>
+              <a:t>2</a:t>
+            </a:r>
+            <a:r>
+              <a:rPr lang="en-US" altLang="zh-CN" baseline="30000" smtClean="0"/>
+              <a:t>63</a:t>
+            </a:r>
+            <a:r>
+              <a:rPr lang="en-US" altLang="zh-CN" smtClean="0"/>
+              <a:t>=9223372036854775808</a:t>
+            </a:r>
+            <a:r>
+              <a:rPr lang="zh-CN" altLang="en-US" dirty="0" smtClean="0"/>
+              <a:t>（</a:t>
+            </a:r>
+            <a:r>
+              <a:rPr lang="en-US" altLang="zh-CN" dirty="0" smtClean="0"/>
+              <a:t>10</a:t>
+            </a:r>
+            <a:r>
+              <a:rPr lang="en-US" altLang="zh-CN" baseline="30000" dirty="0" smtClean="0"/>
+              <a:t>18</a:t>
+            </a:r>
+            <a:r>
+              <a:rPr lang="zh-CN" altLang="en-US" dirty="0" smtClean="0"/>
+              <a:t>）</a:t>
+            </a:r>
+            <a:endParaRPr lang="zh-CN" altLang="en-US" dirty="0"/>
           </a:p>
         </p:txBody>
       </p:sp>
-      <p:pic>
-        <p:nvPicPr>
-          <p:cNvPr id="4" name="图片 3"/>
-          <p:cNvPicPr>
-            <a:picLocks noChangeAspect="1"/>
-          </p:cNvPicPr>
-          <p:nvPr/>
-        </p:nvPicPr>
-        <p:blipFill>
-          <a:blip r:embed="rId3"/>
-          <a:stretch>
-            <a:fillRect/>
-          </a:stretch>
-        </p:blipFill>
-        <p:spPr>
-          <a:xfrm>
-            <a:off x="485775" y="947737"/>
-            <a:ext cx="8172450" cy="4962525"/>
-          </a:xfrm>
-          <a:prstGeom prst="rect">
-            <a:avLst/>
-          </a:prstGeom>
-        </p:spPr>
-      </p:pic>
     </p:spTree>
     <p:extLst>
       <p:ext uri="{BB962C8B-B14F-4D97-AF65-F5344CB8AC3E}">
-        <p14:creationId xmlns:p14="http://schemas.microsoft.com/office/powerpoint/2010/main" val="2026334759"/>
+        <p14:creationId xmlns:p14="http://schemas.microsoft.com/office/powerpoint/2010/main" val="3691750419"/>
       </p:ext>
     </p:extLst>
   </p:cSld>
@@ -17336,6 +17403,98 @@
           <a:bodyPr/>
           <a:lstStyle/>
           <a:p>
+            <a:endParaRPr lang="zh-CN" altLang="en-US"/>
+          </a:p>
+        </p:txBody>
+      </p:sp>
+      <p:sp>
+        <p:nvSpPr>
+          <p:cNvPr id="3" name="内容占位符 2"/>
+          <p:cNvSpPr>
+            <a:spLocks noGrp="1"/>
+          </p:cNvSpPr>
+          <p:nvPr>
+            <p:ph idx="1"/>
+          </p:nvPr>
+        </p:nvSpPr>
+        <p:spPr/>
+        <p:txBody>
+          <a:bodyPr/>
+          <a:lstStyle/>
+          <a:p>
+            <a:endParaRPr lang="zh-CN" altLang="en-US"/>
+          </a:p>
+        </p:txBody>
+      </p:sp>
+      <p:pic>
+        <p:nvPicPr>
+          <p:cNvPr id="4" name="图片 3"/>
+          <p:cNvPicPr>
+            <a:picLocks noChangeAspect="1"/>
+          </p:cNvPicPr>
+          <p:nvPr/>
+        </p:nvPicPr>
+        <p:blipFill>
+          <a:blip r:embed="rId3"/>
+          <a:stretch>
+            <a:fillRect/>
+          </a:stretch>
+        </p:blipFill>
+        <p:spPr>
+          <a:xfrm>
+            <a:off x="485775" y="947737"/>
+            <a:ext cx="8172450" cy="4962525"/>
+          </a:xfrm>
+          <a:prstGeom prst="rect">
+            <a:avLst/>
+          </a:prstGeom>
+        </p:spPr>
+      </p:pic>
+    </p:spTree>
+    <p:extLst>
+      <p:ext uri="{BB962C8B-B14F-4D97-AF65-F5344CB8AC3E}">
+        <p14:creationId xmlns:p14="http://schemas.microsoft.com/office/powerpoint/2010/main" val="2026334759"/>
+      </p:ext>
+    </p:extLst>
+  </p:cSld>
+  <p:clrMapOvr>
+    <a:masterClrMapping/>
+  </p:clrMapOvr>
+</p:sld>
+</file>
+
+<file path=ppt/slides/slide26.xml><?xml version="1.0" encoding="utf-8"?>
+<p:sld xmlns:a="http://schemas.openxmlformats.org/drawingml/2006/main" xmlns:r="http://schemas.openxmlformats.org/officeDocument/2006/relationships" xmlns:p="http://schemas.openxmlformats.org/presentationml/2006/main">
+  <p:cSld>
+    <p:spTree>
+      <p:nvGrpSpPr>
+        <p:cNvPr id="1" name=""/>
+        <p:cNvGrpSpPr/>
+        <p:nvPr/>
+      </p:nvGrpSpPr>
+      <p:grpSpPr>
+        <a:xfrm>
+          <a:off x="0" y="0"/>
+          <a:ext cx="0" cy="0"/>
+          <a:chOff x="0" y="0"/>
+          <a:chExt cx="0" cy="0"/>
+        </a:xfrm>
+      </p:grpSpPr>
+      <p:sp>
+        <p:nvSpPr>
+          <p:cNvPr id="2" name="标题 1"/>
+          <p:cNvSpPr>
+            <a:spLocks noGrp="1"/>
+          </p:cNvSpPr>
+          <p:nvPr>
+            <p:ph type="title"/>
+          </p:nvPr>
+        </p:nvSpPr>
+        <p:spPr/>
+        <p:txBody>
+          <a:bodyPr/>
+          <a:lstStyle/>
+          <a:p>
             <a:r>
               <a:rPr lang="zh-CN" altLang="en-US" dirty="0"/>
               <a:t>变位词</a:t>
@@ -17416,7 +17575,7 @@
 </p:sld>
 </file>
 
-<file path=ppt/slides/slide26.xml><?xml version="1.0" encoding="utf-8"?>
+<file path=ppt/slides/slide27.xml><?xml version="1.0" encoding="utf-8"?>
 <p:sld xmlns:a="http://schemas.openxmlformats.org/drawingml/2006/main" xmlns:r="http://schemas.openxmlformats.org/officeDocument/2006/relationships" xmlns:p="http://schemas.openxmlformats.org/presentationml/2006/main">
   <p:cSld>
     <p:spTree>
@@ -17515,7 +17674,7 @@
 </p:sld>
 </file>
 
-<file path=ppt/slides/slide27.xml><?xml version="1.0" encoding="utf-8"?>
+<file path=ppt/slides/slide28.xml><?xml version="1.0" encoding="utf-8"?>
 <p:sld xmlns:a="http://schemas.openxmlformats.org/drawingml/2006/main" xmlns:r="http://schemas.openxmlformats.org/officeDocument/2006/relationships" xmlns:p="http://schemas.openxmlformats.org/presentationml/2006/main">
   <p:cSld>
     <p:spTree>
